--- a/003 - Introducing the picozero Library/19 Aug Meeting.pptx
+++ b/003 - Introducing the picozero Library/19 Aug Meeting.pptx
@@ -11,6 +11,7 @@
     <p:sldId id="260" r:id="rId5"/>
     <p:sldId id="261" r:id="rId6"/>
     <p:sldId id="258" r:id="rId7"/>
+    <p:sldId id="262" r:id="rId8"/>
   </p:sldIdLst>
   <p:sldSz cx="12192000" cy="6858000"/>
   <p:notesSz cx="6858000" cy="9144000"/>
@@ -266,7 +267,7 @@
           <a:p>
             <a:fld id="{53C73240-715A-42DC-97AE-78E8995EDE6E}" type="datetimeFigureOut">
               <a:rPr lang="en-SG" smtClean="0"/>
-              <a:t>15/8/2023</a:t>
+              <a:t>19/8/2023</a:t>
             </a:fld>
             <a:endParaRPr lang="en-SG"/>
           </a:p>
@@ -466,7 +467,7 @@
           <a:p>
             <a:fld id="{53C73240-715A-42DC-97AE-78E8995EDE6E}" type="datetimeFigureOut">
               <a:rPr lang="en-SG" smtClean="0"/>
-              <a:t>15/8/2023</a:t>
+              <a:t>19/8/2023</a:t>
             </a:fld>
             <a:endParaRPr lang="en-SG"/>
           </a:p>
@@ -676,7 +677,7 @@
           <a:p>
             <a:fld id="{53C73240-715A-42DC-97AE-78E8995EDE6E}" type="datetimeFigureOut">
               <a:rPr lang="en-SG" smtClean="0"/>
-              <a:t>15/8/2023</a:t>
+              <a:t>19/8/2023</a:t>
             </a:fld>
             <a:endParaRPr lang="en-SG"/>
           </a:p>
@@ -876,7 +877,7 @@
           <a:p>
             <a:fld id="{53C73240-715A-42DC-97AE-78E8995EDE6E}" type="datetimeFigureOut">
               <a:rPr lang="en-SG" smtClean="0"/>
-              <a:t>15/8/2023</a:t>
+              <a:t>19/8/2023</a:t>
             </a:fld>
             <a:endParaRPr lang="en-SG"/>
           </a:p>
@@ -1152,7 +1153,7 @@
           <a:p>
             <a:fld id="{53C73240-715A-42DC-97AE-78E8995EDE6E}" type="datetimeFigureOut">
               <a:rPr lang="en-SG" smtClean="0"/>
-              <a:t>15/8/2023</a:t>
+              <a:t>19/8/2023</a:t>
             </a:fld>
             <a:endParaRPr lang="en-SG"/>
           </a:p>
@@ -1420,7 +1421,7 @@
           <a:p>
             <a:fld id="{53C73240-715A-42DC-97AE-78E8995EDE6E}" type="datetimeFigureOut">
               <a:rPr lang="en-SG" smtClean="0"/>
-              <a:t>15/8/2023</a:t>
+              <a:t>19/8/2023</a:t>
             </a:fld>
             <a:endParaRPr lang="en-SG"/>
           </a:p>
@@ -1835,7 +1836,7 @@
           <a:p>
             <a:fld id="{53C73240-715A-42DC-97AE-78E8995EDE6E}" type="datetimeFigureOut">
               <a:rPr lang="en-SG" smtClean="0"/>
-              <a:t>15/8/2023</a:t>
+              <a:t>19/8/2023</a:t>
             </a:fld>
             <a:endParaRPr lang="en-SG"/>
           </a:p>
@@ -1977,7 +1978,7 @@
           <a:p>
             <a:fld id="{53C73240-715A-42DC-97AE-78E8995EDE6E}" type="datetimeFigureOut">
               <a:rPr lang="en-SG" smtClean="0"/>
-              <a:t>15/8/2023</a:t>
+              <a:t>19/8/2023</a:t>
             </a:fld>
             <a:endParaRPr lang="en-SG"/>
           </a:p>
@@ -2090,7 +2091,7 @@
           <a:p>
             <a:fld id="{53C73240-715A-42DC-97AE-78E8995EDE6E}" type="datetimeFigureOut">
               <a:rPr lang="en-SG" smtClean="0"/>
-              <a:t>15/8/2023</a:t>
+              <a:t>19/8/2023</a:t>
             </a:fld>
             <a:endParaRPr lang="en-SG"/>
           </a:p>
@@ -2403,7 +2404,7 @@
           <a:p>
             <a:fld id="{53C73240-715A-42DC-97AE-78E8995EDE6E}" type="datetimeFigureOut">
               <a:rPr lang="en-SG" smtClean="0"/>
-              <a:t>15/8/2023</a:t>
+              <a:t>19/8/2023</a:t>
             </a:fld>
             <a:endParaRPr lang="en-SG"/>
           </a:p>
@@ -2692,7 +2693,7 @@
           <a:p>
             <a:fld id="{53C73240-715A-42DC-97AE-78E8995EDE6E}" type="datetimeFigureOut">
               <a:rPr lang="en-SG" smtClean="0"/>
-              <a:t>15/8/2023</a:t>
+              <a:t>19/8/2023</a:t>
             </a:fld>
             <a:endParaRPr lang="en-SG"/>
           </a:p>
@@ -2935,7 +2936,7 @@
           <a:p>
             <a:fld id="{53C73240-715A-42DC-97AE-78E8995EDE6E}" type="datetimeFigureOut">
               <a:rPr lang="en-SG" smtClean="0"/>
-              <a:t>15/8/2023</a:t>
+              <a:t>19/8/2023</a:t>
             </a:fld>
             <a:endParaRPr lang="en-SG"/>
           </a:p>
@@ -3601,7 +3602,7 @@
         </p:blipFill>
         <p:spPr>
           <a:xfrm rot="16200000">
-            <a:off x="2703340" y="1239070"/>
+            <a:off x="2829175" y="1239070"/>
             <a:ext cx="236980" cy="2959164"/>
           </a:xfrm>
           <a:prstGeom prst="rect">
@@ -4292,6 +4293,90 @@
     <p:extLst>
       <p:ext uri="{BB962C8B-B14F-4D97-AF65-F5344CB8AC3E}">
         <p14:creationId xmlns:p14="http://schemas.microsoft.com/office/powerpoint/2010/main" val="1465009911"/>
+      </p:ext>
+    </p:extLst>
+  </p:cSld>
+  <p:clrMapOvr>
+    <a:masterClrMapping/>
+  </p:clrMapOvr>
+</p:sld>
+</file>
+
+<file path=ppt/slides/slide7.xml><?xml version="1.0" encoding="utf-8"?>
+<p:sld xmlns:a="http://schemas.openxmlformats.org/drawingml/2006/main" xmlns:r="http://schemas.openxmlformats.org/officeDocument/2006/relationships" xmlns:p="http://schemas.openxmlformats.org/presentationml/2006/main">
+  <p:cSld>
+    <p:spTree>
+      <p:nvGrpSpPr>
+        <p:cNvPr id="1" name=""/>
+        <p:cNvGrpSpPr/>
+        <p:nvPr/>
+      </p:nvGrpSpPr>
+      <p:grpSpPr>
+        <a:xfrm>
+          <a:off x="0" y="0"/>
+          <a:ext cx="0" cy="0"/>
+          <a:chOff x="0" y="0"/>
+          <a:chExt cx="0" cy="0"/>
+        </a:xfrm>
+      </p:grpSpPr>
+      <p:sp>
+        <p:nvSpPr>
+          <p:cNvPr id="2" name="TextBox 1">
+            <a:extLst>
+              <a:ext uri="{FF2B5EF4-FFF2-40B4-BE49-F238E27FC236}">
+                <a16:creationId xmlns:a16="http://schemas.microsoft.com/office/drawing/2014/main" id="{EE1CE228-C0D5-363F-6DF5-9BED986F434E}"/>
+              </a:ext>
+            </a:extLst>
+          </p:cNvPr>
+          <p:cNvSpPr txBox="1"/>
+          <p:nvPr/>
+        </p:nvSpPr>
+        <p:spPr>
+          <a:xfrm>
+            <a:off x="4084936" y="2153008"/>
+            <a:ext cx="4022127" cy="1477328"/>
+          </a:xfrm>
+          <a:prstGeom prst="rect">
+            <a:avLst/>
+          </a:prstGeom>
+          <a:noFill/>
+        </p:spPr>
+        <p:txBody>
+          <a:bodyPr wrap="none" rtlCol="0">
+            <a:spAutoFit/>
+          </a:bodyPr>
+          <a:lstStyle/>
+          <a:p>
+            <a:r>
+              <a:rPr lang="en-US" dirty="0"/>
+              <a:t>RUNNING PICO UNTETHERED TO LAPTOP</a:t>
+            </a:r>
+          </a:p>
+          <a:p>
+            <a:endParaRPr lang="en-US" dirty="0"/>
+          </a:p>
+          <a:p>
+            <a:r>
+              <a:rPr lang="en-US" dirty="0"/>
+              <a:t>Save program as main.py</a:t>
+            </a:r>
+          </a:p>
+          <a:p>
+            <a:endParaRPr lang="en-US" dirty="0"/>
+          </a:p>
+          <a:p>
+            <a:r>
+              <a:rPr lang="en-US" dirty="0"/>
+              <a:t>Use power bank to power Pico</a:t>
+            </a:r>
+            <a:endParaRPr lang="en-SG" dirty="0"/>
+          </a:p>
+        </p:txBody>
+      </p:sp>
+    </p:spTree>
+    <p:extLst>
+      <p:ext uri="{BB962C8B-B14F-4D97-AF65-F5344CB8AC3E}">
+        <p14:creationId xmlns:p14="http://schemas.microsoft.com/office/powerpoint/2010/main" val="484293516"/>
       </p:ext>
     </p:extLst>
   </p:cSld>
